--- a/docs/diagrams/SDforAddModuleToStudentStagedTakenCommandOverview.pptx
+++ b/docs/diagrams/SDforAddModuleToStudentStagedTakenCommandOverview.pptx
@@ -5,10 +5,10 @@
     <p:sldMasterId id="2147483648" r:id="rId1"/>
   </p:sldMasterIdLst>
   <p:notesMasterIdLst>
-    <p:notesMasterId r:id="rId4"/>
+    <p:notesMasterId r:id="rId3"/>
   </p:notesMasterIdLst>
   <p:sldIdLst>
-    <p:sldId id="266" r:id="rId3"/>
+    <p:sldId id="266" r:id="rId2"/>
   </p:sldIdLst>
   <p:sldSz cx="9144000" cy="6858000" type="screen4x3"/>
   <p:notesSz cx="6858000" cy="9144000"/>
@@ -107,6 +107,22 @@
       </a:defRPr>
     </a:lvl9pPr>
   </p:defaultTextStyle>
+  <p:extLst>
+    <p:ext uri="{EFAFB233-063F-42B5-8137-9DF3F51BA10A}">
+      <p15:sldGuideLst xmlns:p15="http://schemas.microsoft.com/office/powerpoint/2012/main">
+        <p15:guide id="1" orient="horz" pos="1494">
+          <p15:clr>
+            <a:srgbClr val="A4A3A4"/>
+          </p15:clr>
+        </p15:guide>
+        <p15:guide id="2" pos="2880">
+          <p15:clr>
+            <a:srgbClr val="A4A3A4"/>
+          </p15:clr>
+        </p15:guide>
+      </p15:sldGuideLst>
+    </p:ext>
+  </p:extLst>
 </p:presentation>
 </file>
 
@@ -192,6 +208,7 @@
           <a:p>
             <a:fld id="{F5CC4B3F-88C1-4FFA-B1B6-F41C21DC6924}" type="datetimeFigureOut">
               <a:rPr lang="en-US" smtClean="0"/>
+              <a:t>11/12/2018</a:t>
             </a:fld>
             <a:endParaRPr lang="en-US"/>
           </a:p>
@@ -258,7 +275,6 @@
               <a:rPr lang="en-US"/>
               <a:t>Click to edit Master text styles</a:t>
             </a:r>
-            <a:endParaRPr lang="en-US"/>
           </a:p>
           <a:p>
             <a:pPr lvl="1"/>
@@ -266,7 +282,6 @@
               <a:rPr lang="en-US"/>
               <a:t>Second level</a:t>
             </a:r>
-            <a:endParaRPr lang="en-US"/>
           </a:p>
           <a:p>
             <a:pPr lvl="2"/>
@@ -274,7 +289,6 @@
               <a:rPr lang="en-US"/>
               <a:t>Third level</a:t>
             </a:r>
-            <a:endParaRPr lang="en-US"/>
           </a:p>
           <a:p>
             <a:pPr lvl="3"/>
@@ -282,7 +296,6 @@
               <a:rPr lang="en-US"/>
               <a:t>Fourth level</a:t>
             </a:r>
-            <a:endParaRPr lang="en-US"/>
           </a:p>
           <a:p>
             <a:pPr lvl="4"/>
@@ -290,7 +303,6 @@
               <a:rPr lang="en-US"/>
               <a:t>Fifth level</a:t>
             </a:r>
-            <a:endParaRPr lang="en-US"/>
           </a:p>
         </p:txBody>
       </p:sp>
@@ -354,6 +366,7 @@
           <a:p>
             <a:fld id="{5A7AB025-77E3-4BD1-A2FD-B3183DBA47A3}" type="slidenum">
               <a:rPr lang="en-US" smtClean="0"/>
+              <a:t>‹#›</a:t>
             </a:fld>
             <a:endParaRPr lang="en-US"/>
           </a:p>
@@ -498,7 +511,6 @@
               <a:rPr lang="en-US"/>
               <a:t>Click to edit Master title style</a:t>
             </a:r>
-            <a:endParaRPr lang="en-US"/>
           </a:p>
         </p:txBody>
       </p:sp>
@@ -617,7 +629,6 @@
               <a:rPr lang="en-US"/>
               <a:t>Click to edit Master subtitle style</a:t>
             </a:r>
-            <a:endParaRPr lang="en-US"/>
           </a:p>
         </p:txBody>
       </p:sp>
@@ -638,6 +649,7 @@
           <a:p>
             <a:fld id="{78C97017-6FC3-485B-9764-EAC9E56C1D49}" type="datetimeFigureOut">
               <a:rPr lang="en-US" smtClean="0"/>
+              <a:t>11/12/2018</a:t>
             </a:fld>
             <a:endParaRPr lang="en-US"/>
           </a:p>
@@ -679,6 +691,7 @@
           <a:p>
             <a:fld id="{FB34683C-161B-4520-BF45-B179E228CF2A}" type="slidenum">
               <a:rPr lang="en-US" smtClean="0"/>
+              <a:t>‹#›</a:t>
             </a:fld>
             <a:endParaRPr lang="en-US"/>
           </a:p>
@@ -728,7 +741,6 @@
               <a:rPr lang="en-US"/>
               <a:t>Click to edit Master title style</a:t>
             </a:r>
-            <a:endParaRPr lang="en-US"/>
           </a:p>
         </p:txBody>
       </p:sp>
@@ -752,7 +764,6 @@
               <a:rPr lang="en-US"/>
               <a:t>Click to edit Master text styles</a:t>
             </a:r>
-            <a:endParaRPr lang="en-US"/>
           </a:p>
           <a:p>
             <a:pPr lvl="1"/>
@@ -760,7 +771,6 @@
               <a:rPr lang="en-US"/>
               <a:t>Second level</a:t>
             </a:r>
-            <a:endParaRPr lang="en-US"/>
           </a:p>
           <a:p>
             <a:pPr lvl="2"/>
@@ -768,7 +778,6 @@
               <a:rPr lang="en-US"/>
               <a:t>Third level</a:t>
             </a:r>
-            <a:endParaRPr lang="en-US"/>
           </a:p>
           <a:p>
             <a:pPr lvl="3"/>
@@ -776,7 +785,6 @@
               <a:rPr lang="en-US"/>
               <a:t>Fourth level</a:t>
             </a:r>
-            <a:endParaRPr lang="en-US"/>
           </a:p>
           <a:p>
             <a:pPr lvl="4"/>
@@ -784,7 +792,6 @@
               <a:rPr lang="en-US"/>
               <a:t>Fifth level</a:t>
             </a:r>
-            <a:endParaRPr lang="en-US"/>
           </a:p>
         </p:txBody>
       </p:sp>
@@ -805,6 +812,7 @@
           <a:p>
             <a:fld id="{78C97017-6FC3-485B-9764-EAC9E56C1D49}" type="datetimeFigureOut">
               <a:rPr lang="en-US" smtClean="0"/>
+              <a:t>11/12/2018</a:t>
             </a:fld>
             <a:endParaRPr lang="en-US"/>
           </a:p>
@@ -846,6 +854,7 @@
           <a:p>
             <a:fld id="{FB34683C-161B-4520-BF45-B179E228CF2A}" type="slidenum">
               <a:rPr lang="en-US" smtClean="0"/>
+              <a:t>‹#›</a:t>
             </a:fld>
             <a:endParaRPr lang="en-US"/>
           </a:p>
@@ -900,7 +909,6 @@
               <a:rPr lang="en-US"/>
               <a:t>Click to edit Master title style</a:t>
             </a:r>
-            <a:endParaRPr lang="en-US"/>
           </a:p>
         </p:txBody>
       </p:sp>
@@ -929,7 +937,6 @@
               <a:rPr lang="en-US"/>
               <a:t>Click to edit Master text styles</a:t>
             </a:r>
-            <a:endParaRPr lang="en-US"/>
           </a:p>
           <a:p>
             <a:pPr lvl="1"/>
@@ -937,7 +944,6 @@
               <a:rPr lang="en-US"/>
               <a:t>Second level</a:t>
             </a:r>
-            <a:endParaRPr lang="en-US"/>
           </a:p>
           <a:p>
             <a:pPr lvl="2"/>
@@ -945,7 +951,6 @@
               <a:rPr lang="en-US"/>
               <a:t>Third level</a:t>
             </a:r>
-            <a:endParaRPr lang="en-US"/>
           </a:p>
           <a:p>
             <a:pPr lvl="3"/>
@@ -953,7 +958,6 @@
               <a:rPr lang="en-US"/>
               <a:t>Fourth level</a:t>
             </a:r>
-            <a:endParaRPr lang="en-US"/>
           </a:p>
           <a:p>
             <a:pPr lvl="4"/>
@@ -961,7 +965,6 @@
               <a:rPr lang="en-US"/>
               <a:t>Fifth level</a:t>
             </a:r>
-            <a:endParaRPr lang="en-US"/>
           </a:p>
         </p:txBody>
       </p:sp>
@@ -982,6 +985,7 @@
           <a:p>
             <a:fld id="{78C97017-6FC3-485B-9764-EAC9E56C1D49}" type="datetimeFigureOut">
               <a:rPr lang="en-US" smtClean="0"/>
+              <a:t>11/12/2018</a:t>
             </a:fld>
             <a:endParaRPr lang="en-US"/>
           </a:p>
@@ -1023,6 +1027,7 @@
           <a:p>
             <a:fld id="{FB34683C-161B-4520-BF45-B179E228CF2A}" type="slidenum">
               <a:rPr lang="en-US" smtClean="0"/>
+              <a:t>‹#›</a:t>
             </a:fld>
             <a:endParaRPr lang="en-US"/>
           </a:p>
@@ -1072,7 +1077,6 @@
               <a:rPr lang="en-US"/>
               <a:t>Click to edit Master title style</a:t>
             </a:r>
-            <a:endParaRPr lang="en-US"/>
           </a:p>
         </p:txBody>
       </p:sp>
@@ -1096,7 +1100,6 @@
               <a:rPr lang="en-US"/>
               <a:t>Click to edit Master text styles</a:t>
             </a:r>
-            <a:endParaRPr lang="en-US"/>
           </a:p>
           <a:p>
             <a:pPr lvl="1"/>
@@ -1104,7 +1107,6 @@
               <a:rPr lang="en-US"/>
               <a:t>Second level</a:t>
             </a:r>
-            <a:endParaRPr lang="en-US"/>
           </a:p>
           <a:p>
             <a:pPr lvl="2"/>
@@ -1112,7 +1114,6 @@
               <a:rPr lang="en-US"/>
               <a:t>Third level</a:t>
             </a:r>
-            <a:endParaRPr lang="en-US"/>
           </a:p>
           <a:p>
             <a:pPr lvl="3"/>
@@ -1120,7 +1121,6 @@
               <a:rPr lang="en-US"/>
               <a:t>Fourth level</a:t>
             </a:r>
-            <a:endParaRPr lang="en-US"/>
           </a:p>
           <a:p>
             <a:pPr lvl="4"/>
@@ -1128,7 +1128,6 @@
               <a:rPr lang="en-US"/>
               <a:t>Fifth level</a:t>
             </a:r>
-            <a:endParaRPr lang="en-US"/>
           </a:p>
         </p:txBody>
       </p:sp>
@@ -1149,6 +1148,7 @@
           <a:p>
             <a:fld id="{78C97017-6FC3-485B-9764-EAC9E56C1D49}" type="datetimeFigureOut">
               <a:rPr lang="en-US" smtClean="0"/>
+              <a:t>11/12/2018</a:t>
             </a:fld>
             <a:endParaRPr lang="en-US"/>
           </a:p>
@@ -1190,6 +1190,7 @@
           <a:p>
             <a:fld id="{FB34683C-161B-4520-BF45-B179E228CF2A}" type="slidenum">
               <a:rPr lang="en-US" smtClean="0"/>
+              <a:t>‹#›</a:t>
             </a:fld>
             <a:endParaRPr lang="en-US"/>
           </a:p>
@@ -1248,7 +1249,6 @@
               <a:rPr lang="en-US"/>
               <a:t>Click to edit Master title style</a:t>
             </a:r>
-            <a:endParaRPr lang="en-US"/>
           </a:p>
         </p:txBody>
       </p:sp>
@@ -1368,7 +1368,6 @@
               <a:rPr lang="en-US"/>
               <a:t>Click to edit Master text styles</a:t>
             </a:r>
-            <a:endParaRPr lang="en-US"/>
           </a:p>
         </p:txBody>
       </p:sp>
@@ -1389,6 +1388,7 @@
           <a:p>
             <a:fld id="{78C97017-6FC3-485B-9764-EAC9E56C1D49}" type="datetimeFigureOut">
               <a:rPr lang="en-US" smtClean="0"/>
+              <a:t>11/12/2018</a:t>
             </a:fld>
             <a:endParaRPr lang="en-US"/>
           </a:p>
@@ -1430,6 +1430,7 @@
           <a:p>
             <a:fld id="{FB34683C-161B-4520-BF45-B179E228CF2A}" type="slidenum">
               <a:rPr lang="en-US" smtClean="0"/>
+              <a:t>‹#›</a:t>
             </a:fld>
             <a:endParaRPr lang="en-US"/>
           </a:p>
@@ -1479,7 +1480,6 @@
               <a:rPr lang="en-US"/>
               <a:t>Click to edit Master title style</a:t>
             </a:r>
-            <a:endParaRPr lang="en-US"/>
           </a:p>
         </p:txBody>
       </p:sp>
@@ -1536,7 +1536,6 @@
               <a:rPr lang="en-US"/>
               <a:t>Click to edit Master text styles</a:t>
             </a:r>
-            <a:endParaRPr lang="en-US"/>
           </a:p>
           <a:p>
             <a:pPr lvl="1"/>
@@ -1544,7 +1543,6 @@
               <a:rPr lang="en-US"/>
               <a:t>Second level</a:t>
             </a:r>
-            <a:endParaRPr lang="en-US"/>
           </a:p>
           <a:p>
             <a:pPr lvl="2"/>
@@ -1552,7 +1550,6 @@
               <a:rPr lang="en-US"/>
               <a:t>Third level</a:t>
             </a:r>
-            <a:endParaRPr lang="en-US"/>
           </a:p>
           <a:p>
             <a:pPr lvl="3"/>
@@ -1560,7 +1557,6 @@
               <a:rPr lang="en-US"/>
               <a:t>Fourth level</a:t>
             </a:r>
-            <a:endParaRPr lang="en-US"/>
           </a:p>
           <a:p>
             <a:pPr lvl="4"/>
@@ -1568,7 +1564,6 @@
               <a:rPr lang="en-US"/>
               <a:t>Fifth level</a:t>
             </a:r>
-            <a:endParaRPr lang="en-US"/>
           </a:p>
         </p:txBody>
       </p:sp>
@@ -1625,7 +1620,6 @@
               <a:rPr lang="en-US"/>
               <a:t>Click to edit Master text styles</a:t>
             </a:r>
-            <a:endParaRPr lang="en-US"/>
           </a:p>
           <a:p>
             <a:pPr lvl="1"/>
@@ -1633,7 +1627,6 @@
               <a:rPr lang="en-US"/>
               <a:t>Second level</a:t>
             </a:r>
-            <a:endParaRPr lang="en-US"/>
           </a:p>
           <a:p>
             <a:pPr lvl="2"/>
@@ -1641,7 +1634,6 @@
               <a:rPr lang="en-US"/>
               <a:t>Third level</a:t>
             </a:r>
-            <a:endParaRPr lang="en-US"/>
           </a:p>
           <a:p>
             <a:pPr lvl="3"/>
@@ -1649,7 +1641,6 @@
               <a:rPr lang="en-US"/>
               <a:t>Fourth level</a:t>
             </a:r>
-            <a:endParaRPr lang="en-US"/>
           </a:p>
           <a:p>
             <a:pPr lvl="4"/>
@@ -1657,7 +1648,6 @@
               <a:rPr lang="en-US"/>
               <a:t>Fifth level</a:t>
             </a:r>
-            <a:endParaRPr lang="en-US"/>
           </a:p>
         </p:txBody>
       </p:sp>
@@ -1678,6 +1668,7 @@
           <a:p>
             <a:fld id="{78C97017-6FC3-485B-9764-EAC9E56C1D49}" type="datetimeFigureOut">
               <a:rPr lang="en-US" smtClean="0"/>
+              <a:t>11/12/2018</a:t>
             </a:fld>
             <a:endParaRPr lang="en-US"/>
           </a:p>
@@ -1719,6 +1710,7 @@
           <a:p>
             <a:fld id="{FB34683C-161B-4520-BF45-B179E228CF2A}" type="slidenum">
               <a:rPr lang="en-US" smtClean="0"/>
+              <a:t>‹#›</a:t>
             </a:fld>
             <a:endParaRPr lang="en-US"/>
           </a:p>
@@ -1772,7 +1764,6 @@
               <a:rPr lang="en-US"/>
               <a:t>Click to edit Master title style</a:t>
             </a:r>
-            <a:endParaRPr lang="en-US"/>
           </a:p>
         </p:txBody>
       </p:sp>
@@ -1838,7 +1829,6 @@
               <a:rPr lang="en-US"/>
               <a:t>Click to edit Master text styles</a:t>
             </a:r>
-            <a:endParaRPr lang="en-US"/>
           </a:p>
         </p:txBody>
       </p:sp>
@@ -1895,7 +1885,6 @@
               <a:rPr lang="en-US"/>
               <a:t>Click to edit Master text styles</a:t>
             </a:r>
-            <a:endParaRPr lang="en-US"/>
           </a:p>
           <a:p>
             <a:pPr lvl="1"/>
@@ -1903,7 +1892,6 @@
               <a:rPr lang="en-US"/>
               <a:t>Second level</a:t>
             </a:r>
-            <a:endParaRPr lang="en-US"/>
           </a:p>
           <a:p>
             <a:pPr lvl="2"/>
@@ -1911,7 +1899,6 @@
               <a:rPr lang="en-US"/>
               <a:t>Third level</a:t>
             </a:r>
-            <a:endParaRPr lang="en-US"/>
           </a:p>
           <a:p>
             <a:pPr lvl="3"/>
@@ -1919,7 +1906,6 @@
               <a:rPr lang="en-US"/>
               <a:t>Fourth level</a:t>
             </a:r>
-            <a:endParaRPr lang="en-US"/>
           </a:p>
           <a:p>
             <a:pPr lvl="4"/>
@@ -1927,7 +1913,6 @@
               <a:rPr lang="en-US"/>
               <a:t>Fifth level</a:t>
             </a:r>
-            <a:endParaRPr lang="en-US"/>
           </a:p>
         </p:txBody>
       </p:sp>
@@ -1993,7 +1978,6 @@
               <a:rPr lang="en-US"/>
               <a:t>Click to edit Master text styles</a:t>
             </a:r>
-            <a:endParaRPr lang="en-US"/>
           </a:p>
         </p:txBody>
       </p:sp>
@@ -2050,7 +2034,6 @@
               <a:rPr lang="en-US"/>
               <a:t>Click to edit Master text styles</a:t>
             </a:r>
-            <a:endParaRPr lang="en-US"/>
           </a:p>
           <a:p>
             <a:pPr lvl="1"/>
@@ -2058,7 +2041,6 @@
               <a:rPr lang="en-US"/>
               <a:t>Second level</a:t>
             </a:r>
-            <a:endParaRPr lang="en-US"/>
           </a:p>
           <a:p>
             <a:pPr lvl="2"/>
@@ -2066,7 +2048,6 @@
               <a:rPr lang="en-US"/>
               <a:t>Third level</a:t>
             </a:r>
-            <a:endParaRPr lang="en-US"/>
           </a:p>
           <a:p>
             <a:pPr lvl="3"/>
@@ -2074,7 +2055,6 @@
               <a:rPr lang="en-US"/>
               <a:t>Fourth level</a:t>
             </a:r>
-            <a:endParaRPr lang="en-US"/>
           </a:p>
           <a:p>
             <a:pPr lvl="4"/>
@@ -2082,7 +2062,6 @@
               <a:rPr lang="en-US"/>
               <a:t>Fifth level</a:t>
             </a:r>
-            <a:endParaRPr lang="en-US"/>
           </a:p>
         </p:txBody>
       </p:sp>
@@ -2103,6 +2082,7 @@
           <a:p>
             <a:fld id="{78C97017-6FC3-485B-9764-EAC9E56C1D49}" type="datetimeFigureOut">
               <a:rPr lang="en-US" smtClean="0"/>
+              <a:t>11/12/2018</a:t>
             </a:fld>
             <a:endParaRPr lang="en-US"/>
           </a:p>
@@ -2144,6 +2124,7 @@
           <a:p>
             <a:fld id="{FB34683C-161B-4520-BF45-B179E228CF2A}" type="slidenum">
               <a:rPr lang="en-US" smtClean="0"/>
+              <a:t>‹#›</a:t>
             </a:fld>
             <a:endParaRPr lang="en-US"/>
           </a:p>
@@ -2193,7 +2174,6 @@
               <a:rPr lang="en-US"/>
               <a:t>Click to edit Master title style</a:t>
             </a:r>
-            <a:endParaRPr lang="en-US"/>
           </a:p>
         </p:txBody>
       </p:sp>
@@ -2214,6 +2194,7 @@
           <a:p>
             <a:fld id="{78C97017-6FC3-485B-9764-EAC9E56C1D49}" type="datetimeFigureOut">
               <a:rPr lang="en-US" smtClean="0"/>
+              <a:t>11/12/2018</a:t>
             </a:fld>
             <a:endParaRPr lang="en-US"/>
           </a:p>
@@ -2255,6 +2236,7 @@
           <a:p>
             <a:fld id="{FB34683C-161B-4520-BF45-B179E228CF2A}" type="slidenum">
               <a:rPr lang="en-US" smtClean="0"/>
+              <a:t>‹#›</a:t>
             </a:fld>
             <a:endParaRPr lang="en-US"/>
           </a:p>
@@ -2302,6 +2284,7 @@
           <a:p>
             <a:fld id="{78C97017-6FC3-485B-9764-EAC9E56C1D49}" type="datetimeFigureOut">
               <a:rPr lang="en-US" smtClean="0"/>
+              <a:t>11/12/2018</a:t>
             </a:fld>
             <a:endParaRPr lang="en-US"/>
           </a:p>
@@ -2343,6 +2326,7 @@
           <a:p>
             <a:fld id="{FB34683C-161B-4520-BF45-B179E228CF2A}" type="slidenum">
               <a:rPr lang="en-US" smtClean="0"/>
+              <a:t>‹#›</a:t>
             </a:fld>
             <a:endParaRPr lang="en-US"/>
           </a:p>
@@ -2401,7 +2385,6 @@
               <a:rPr lang="en-US"/>
               <a:t>Click to edit Master title style</a:t>
             </a:r>
-            <a:endParaRPr lang="en-US"/>
           </a:p>
         </p:txBody>
       </p:sp>
@@ -2458,7 +2441,6 @@
               <a:rPr lang="en-US"/>
               <a:t>Click to edit Master text styles</a:t>
             </a:r>
-            <a:endParaRPr lang="en-US"/>
           </a:p>
           <a:p>
             <a:pPr lvl="1"/>
@@ -2466,7 +2448,6 @@
               <a:rPr lang="en-US"/>
               <a:t>Second level</a:t>
             </a:r>
-            <a:endParaRPr lang="en-US"/>
           </a:p>
           <a:p>
             <a:pPr lvl="2"/>
@@ -2474,7 +2455,6 @@
               <a:rPr lang="en-US"/>
               <a:t>Third level</a:t>
             </a:r>
-            <a:endParaRPr lang="en-US"/>
           </a:p>
           <a:p>
             <a:pPr lvl="3"/>
@@ -2482,7 +2462,6 @@
               <a:rPr lang="en-US"/>
               <a:t>Fourth level</a:t>
             </a:r>
-            <a:endParaRPr lang="en-US"/>
           </a:p>
           <a:p>
             <a:pPr lvl="4"/>
@@ -2490,7 +2469,6 @@
               <a:rPr lang="en-US"/>
               <a:t>Fifth level</a:t>
             </a:r>
-            <a:endParaRPr lang="en-US"/>
           </a:p>
         </p:txBody>
       </p:sp>
@@ -2556,7 +2534,6 @@
               <a:rPr lang="en-US"/>
               <a:t>Click to edit Master text styles</a:t>
             </a:r>
-            <a:endParaRPr lang="en-US"/>
           </a:p>
         </p:txBody>
       </p:sp>
@@ -2577,6 +2554,7 @@
           <a:p>
             <a:fld id="{78C97017-6FC3-485B-9764-EAC9E56C1D49}" type="datetimeFigureOut">
               <a:rPr lang="en-US" smtClean="0"/>
+              <a:t>11/12/2018</a:t>
             </a:fld>
             <a:endParaRPr lang="en-US"/>
           </a:p>
@@ -2618,6 +2596,7 @@
           <a:p>
             <a:fld id="{FB34683C-161B-4520-BF45-B179E228CF2A}" type="slidenum">
               <a:rPr lang="en-US" smtClean="0"/>
+              <a:t>‹#›</a:t>
             </a:fld>
             <a:endParaRPr lang="en-US"/>
           </a:p>
@@ -2676,7 +2655,6 @@
               <a:rPr lang="en-US"/>
               <a:t>Click to edit Master title style</a:t>
             </a:r>
-            <a:endParaRPr lang="en-US"/>
           </a:p>
         </p:txBody>
       </p:sp>
@@ -2803,7 +2781,6 @@
               <a:rPr lang="en-US"/>
               <a:t>Click to edit Master text styles</a:t>
             </a:r>
-            <a:endParaRPr lang="en-US"/>
           </a:p>
         </p:txBody>
       </p:sp>
@@ -2824,6 +2801,7 @@
           <a:p>
             <a:fld id="{78C97017-6FC3-485B-9764-EAC9E56C1D49}" type="datetimeFigureOut">
               <a:rPr lang="en-US" smtClean="0"/>
+              <a:t>11/12/2018</a:t>
             </a:fld>
             <a:endParaRPr lang="en-US"/>
           </a:p>
@@ -2865,6 +2843,7 @@
           <a:p>
             <a:fld id="{FB34683C-161B-4520-BF45-B179E228CF2A}" type="slidenum">
               <a:rPr lang="en-US" smtClean="0"/>
+              <a:t>‹#›</a:t>
             </a:fld>
             <a:endParaRPr lang="en-US"/>
           </a:p>
@@ -2932,7 +2911,6 @@
               <a:rPr lang="en-US"/>
               <a:t>Click to edit Master title style</a:t>
             </a:r>
-            <a:endParaRPr lang="en-US"/>
           </a:p>
         </p:txBody>
       </p:sp>
@@ -2966,7 +2944,6 @@
               <a:rPr lang="en-US"/>
               <a:t>Click to edit Master text styles</a:t>
             </a:r>
-            <a:endParaRPr lang="en-US"/>
           </a:p>
           <a:p>
             <a:pPr lvl="1"/>
@@ -2974,7 +2951,6 @@
               <a:rPr lang="en-US"/>
               <a:t>Second level</a:t>
             </a:r>
-            <a:endParaRPr lang="en-US"/>
           </a:p>
           <a:p>
             <a:pPr lvl="2"/>
@@ -2982,7 +2958,6 @@
               <a:rPr lang="en-US"/>
               <a:t>Third level</a:t>
             </a:r>
-            <a:endParaRPr lang="en-US"/>
           </a:p>
           <a:p>
             <a:pPr lvl="3"/>
@@ -2990,7 +2965,6 @@
               <a:rPr lang="en-US"/>
               <a:t>Fourth level</a:t>
             </a:r>
-            <a:endParaRPr lang="en-US"/>
           </a:p>
           <a:p>
             <a:pPr lvl="4"/>
@@ -2998,7 +2972,6 @@
               <a:rPr lang="en-US"/>
               <a:t>Fifth level</a:t>
             </a:r>
-            <a:endParaRPr lang="en-US"/>
           </a:p>
         </p:txBody>
       </p:sp>
@@ -3037,6 +3010,7 @@
           <a:p>
             <a:fld id="{78C97017-6FC3-485B-9764-EAC9E56C1D49}" type="datetimeFigureOut">
               <a:rPr lang="en-US" smtClean="0"/>
+              <a:t>11/12/2018</a:t>
             </a:fld>
             <a:endParaRPr lang="en-US"/>
           </a:p>
@@ -3114,6 +3088,7 @@
           <a:p>
             <a:fld id="{FB34683C-161B-4520-BF45-B179E228CF2A}" type="slidenum">
               <a:rPr lang="en-US" smtClean="0"/>
+              <a:t>‹#›</a:t>
             </a:fld>
             <a:endParaRPr lang="en-US"/>
           </a:p>
@@ -3472,8 +3447,8 @@
         </p:nvCxnSpPr>
         <p:spPr>
           <a:xfrm flipH="1">
-            <a:off x="1600200" y="929640"/>
-            <a:ext cx="50800" cy="3794760"/>
+            <a:off x="1600200" y="966470"/>
+            <a:ext cx="50800" cy="4900930"/>
           </a:xfrm>
           <a:prstGeom prst="line">
             <a:avLst/>
@@ -3509,8 +3484,8 @@
         </p:nvSpPr>
         <p:spPr>
           <a:xfrm>
-            <a:off x="1563370" y="1325880"/>
-            <a:ext cx="152400" cy="3300095"/>
+            <a:off x="1586230" y="1325880"/>
+            <a:ext cx="129540" cy="4264025"/>
           </a:xfrm>
           <a:prstGeom prst="rect">
             <a:avLst/>
@@ -3837,7 +3812,7 @@
         <p:spPr>
           <a:xfrm flipH="1">
             <a:off x="3429000" y="812165"/>
-            <a:ext cx="28575" cy="3912235"/>
+            <a:ext cx="28575" cy="4521835"/>
           </a:xfrm>
           <a:prstGeom prst="line">
             <a:avLst/>
@@ -3873,8 +3848,8 @@
         </p:nvSpPr>
         <p:spPr>
           <a:xfrm>
-            <a:off x="3382010" y="1447800"/>
-            <a:ext cx="146685" cy="3057525"/>
+            <a:off x="3352165" y="1433478"/>
+            <a:ext cx="164465" cy="3824322"/>
           </a:xfrm>
           <a:prstGeom prst="rect">
             <a:avLst/>
@@ -4020,8 +3995,8 @@
         </p:nvSpPr>
         <p:spPr>
           <a:xfrm>
-            <a:off x="5791200" y="1433195"/>
-            <a:ext cx="142240" cy="281305"/>
+            <a:off x="5791200" y="1511300"/>
+            <a:ext cx="142240" cy="203200"/>
           </a:xfrm>
           <a:prstGeom prst="rect">
             <a:avLst/>
@@ -4066,13 +4041,15 @@
       <p:cxnSp>
         <p:nvCxnSpPr>
           <p:cNvPr id="23" name="Straight Arrow Connector 22"/>
-          <p:cNvCxnSpPr/>
+          <p:cNvCxnSpPr>
+            <a:cxnSpLocks/>
+          </p:cNvCxnSpPr>
           <p:nvPr/>
         </p:nvCxnSpPr>
         <p:spPr>
           <a:xfrm>
-            <a:off x="466818" y="1325979"/>
-            <a:ext cx="1119851" cy="0"/>
+            <a:off x="314325" y="1325880"/>
+            <a:ext cx="1272344" cy="99"/>
           </a:xfrm>
           <a:prstGeom prst="straightConnector1">
             <a:avLst/>
@@ -4122,33 +4099,37 @@
           <a:lstStyle/>
           <a:p>
             <a:r>
-              <a:rPr lang="en-US" sz="1200"/>
-              <a:t>addModuleS/T</a:t>
-            </a:r>
-            <a:endParaRPr lang="en-US" sz="1200"/>
-          </a:p>
-          <a:p>
-            <a:r>
-              <a:rPr lang="en-US" sz="1200"/>
+              <a:rPr lang="en-US" sz="1200" dirty="0" err="1"/>
+              <a:t>addModuleS</a:t>
+            </a:r>
+            <a:r>
+              <a:rPr lang="en-US" sz="1200" dirty="0"/>
+              <a:t>/T</a:t>
+            </a:r>
+          </a:p>
+          <a:p>
+            <a:r>
+              <a:rPr lang="en-US" sz="1200" dirty="0"/>
               <a:t>CS1010</a:t>
             </a:r>
-            <a:endParaRPr lang="en-US" sz="1200"/>
-          </a:p>
-          <a:p>
-            <a:endParaRPr lang="en-US" sz="1200"/>
+          </a:p>
+          <a:p>
+            <a:endParaRPr lang="en-US" sz="1200" dirty="0"/>
           </a:p>
         </p:txBody>
       </p:sp>
       <p:cxnSp>
         <p:nvCxnSpPr>
           <p:cNvPr id="25" name="Straight Arrow Connector 24"/>
-          <p:cNvCxnSpPr/>
+          <p:cNvCxnSpPr>
+            <a:cxnSpLocks/>
+          </p:cNvCxnSpPr>
           <p:nvPr/>
         </p:nvCxnSpPr>
         <p:spPr>
           <a:xfrm>
             <a:off x="1650937" y="1433478"/>
-            <a:ext cx="1731661" cy="0"/>
+            <a:ext cx="1701228" cy="0"/>
           </a:xfrm>
           <a:prstGeom prst="straightConnector1">
             <a:avLst/>
@@ -4183,8 +4164,8 @@
         </p:nvSpPr>
         <p:spPr>
           <a:xfrm>
-            <a:off x="2166172" y="1453379"/>
-            <a:ext cx="1424846" cy="184150"/>
+            <a:off x="1804222" y="1453379"/>
+            <a:ext cx="1424846" cy="368935"/>
           </a:xfrm>
           <a:prstGeom prst="rect">
             <a:avLst/>
@@ -4203,13 +4184,8 @@
                   <a:srgbClr val="0070C0"/>
                 </a:solidFill>
               </a:rPr>
-              <a:t>execute( )</a:t>
-            </a:r>
-            <a:endParaRPr lang="en-US" sz="1200" dirty="0">
-              <a:solidFill>
-                <a:srgbClr val="0070C0"/>
-              </a:solidFill>
-            </a:endParaRPr>
+              <a:t>execute(“addModuleS/T CS1010”)</a:t>
+            </a:r>
           </a:p>
         </p:txBody>
       </p:sp>
@@ -4221,7 +4197,7 @@
         </p:nvSpPr>
         <p:spPr>
           <a:xfrm>
-            <a:off x="4415092" y="1263818"/>
+            <a:off x="4374452" y="1326048"/>
             <a:ext cx="2035606" cy="184150"/>
           </a:xfrm>
           <a:prstGeom prst="rect">
@@ -4244,12 +4220,6 @@
               </a:rPr>
               <a:t>getCurrentUser()</a:t>
             </a:r>
-            <a:endParaRPr lang="en-US" sz="1200" dirty="0" err="1">
-              <a:solidFill>
-                <a:srgbClr val="0070C0"/>
-              </a:solidFill>
-              <a:latin typeface="SFMono-Regular"/>
-            </a:endParaRPr>
           </a:p>
         </p:txBody>
       </p:sp>
@@ -4261,7 +4231,7 @@
         </p:nvSpPr>
         <p:spPr>
           <a:xfrm>
-            <a:off x="5111115" y="3778250"/>
+            <a:off x="4999990" y="4495800"/>
             <a:ext cx="3334385" cy="184150"/>
           </a:xfrm>
           <a:prstGeom prst="rect">
@@ -4326,13 +4296,6 @@
               </a:rPr>
               <a:t>)</a:t>
             </a:r>
-            <a:endParaRPr lang="en-US" sz="1200" dirty="0">
-              <a:solidFill>
-                <a:schemeClr val="accent5">
-                  <a:lumMod val="75000"/>
-                </a:schemeClr>
-              </a:solidFill>
-            </a:endParaRPr>
           </a:p>
         </p:txBody>
       </p:sp>
@@ -4344,7 +4307,7 @@
         </p:nvCxnSpPr>
         <p:spPr>
           <a:xfrm>
-            <a:off x="1715685" y="4495487"/>
+            <a:off x="1715685" y="5257487"/>
             <a:ext cx="1637115" cy="0"/>
           </a:xfrm>
           <a:prstGeom prst="straightConnector1">
@@ -4382,7 +4345,7 @@
         </p:nvCxnSpPr>
         <p:spPr>
           <a:xfrm>
-            <a:off x="314418" y="4625662"/>
+            <a:off x="386808" y="5589592"/>
             <a:ext cx="1196051" cy="0"/>
           </a:xfrm>
           <a:prstGeom prst="straightConnector1">
@@ -4492,7 +4455,7 @@
         <p:spPr>
           <a:xfrm>
             <a:off x="8575675" y="925830"/>
-            <a:ext cx="34925" cy="3646170"/>
+            <a:ext cx="34925" cy="4331970"/>
           </a:xfrm>
           <a:prstGeom prst="line">
             <a:avLst/>
@@ -4530,7 +4493,7 @@
         </p:nvSpPr>
         <p:spPr>
           <a:xfrm>
-            <a:off x="8521700" y="3962400"/>
+            <a:off x="8521700" y="4699000"/>
             <a:ext cx="142240" cy="406400"/>
           </a:xfrm>
           <a:prstGeom prst="rect">
@@ -4586,7 +4549,7 @@
         <p:spPr>
           <a:xfrm flipH="1">
             <a:off x="304800" y="1094740"/>
-            <a:ext cx="9525" cy="3629660"/>
+            <a:ext cx="9525" cy="4696460"/>
           </a:xfrm>
           <a:prstGeom prst="line">
             <a:avLst/>
@@ -4622,7 +4585,7 @@
         </p:nvCxnSpPr>
         <p:spPr>
           <a:xfrm>
-            <a:off x="3505200" y="1453515"/>
+            <a:off x="3505200" y="1510665"/>
             <a:ext cx="2286000" cy="0"/>
           </a:xfrm>
           <a:prstGeom prst="straightConnector1">
@@ -4708,6 +4671,7 @@
           <a:bodyPr wrap="square" lIns="0" tIns="0" rIns="0" bIns="0" rtlCol="0">
             <a:spAutoFit/>
           </a:bodyPr>
+          <a:lstStyle/>
           <a:p>
             <a:r>
               <a:rPr lang="en-US" sz="1200" dirty="0" err="1">
@@ -4718,12 +4682,6 @@
               </a:rPr>
               <a:t>User</a:t>
             </a:r>
-            <a:endParaRPr lang="en-US" sz="1200" dirty="0" err="1">
-              <a:solidFill>
-                <a:srgbClr val="0070C0"/>
-              </a:solidFill>
-              <a:latin typeface="SFMono-Regular"/>
-            </a:endParaRPr>
           </a:p>
         </p:txBody>
       </p:sp>
@@ -4747,6 +4705,7 @@
           <a:bodyPr wrap="square" lIns="0" tIns="0" rIns="0" bIns="0" rtlCol="0">
             <a:spAutoFit/>
           </a:bodyPr>
+          <a:lstStyle/>
           <a:p>
             <a:r>
               <a:rPr lang="en-US" sz="1200" dirty="0" err="1">
@@ -4757,25 +4716,21 @@
               </a:rPr>
               <a:t>isStudent()</a:t>
             </a:r>
-            <a:endParaRPr lang="en-US" sz="1200" dirty="0" err="1">
-              <a:solidFill>
-                <a:srgbClr val="0070C0"/>
-              </a:solidFill>
-              <a:latin typeface="SFMono-Regular"/>
-            </a:endParaRPr>
           </a:p>
         </p:txBody>
       </p:sp>
       <p:cxnSp>
         <p:nvCxnSpPr>
           <p:cNvPr id="27" name="Straight Arrow Connector 26"/>
-          <p:cNvCxnSpPr/>
+          <p:cNvCxnSpPr>
+            <a:cxnSpLocks/>
+          </p:cNvCxnSpPr>
           <p:nvPr/>
         </p:nvCxnSpPr>
         <p:spPr>
           <a:xfrm>
-            <a:off x="3556000" y="1961515"/>
-            <a:ext cx="2286000" cy="0"/>
+            <a:off x="3516630" y="1961515"/>
+            <a:ext cx="2272665" cy="0"/>
           </a:xfrm>
           <a:prstGeom prst="straightConnector1">
             <a:avLst/>
@@ -4810,8 +4765,8 @@
         </p:nvCxnSpPr>
         <p:spPr>
           <a:xfrm>
-            <a:off x="3579750" y="2222431"/>
-            <a:ext cx="2309640" cy="0"/>
+            <a:off x="3505200" y="2209800"/>
+            <a:ext cx="2383790" cy="12700"/>
           </a:xfrm>
           <a:prstGeom prst="straightConnector1">
             <a:avLst/>
@@ -4860,6 +4815,7 @@
           <a:bodyPr wrap="square" lIns="0" tIns="0" rIns="0" bIns="0" rtlCol="0">
             <a:spAutoFit/>
           </a:bodyPr>
+          <a:lstStyle/>
           <a:p>
             <a:r>
               <a:rPr lang="en-US" sz="1200" dirty="0" err="1">
@@ -4870,12 +4826,6 @@
               </a:rPr>
               <a:t>boolean</a:t>
             </a:r>
-            <a:endParaRPr lang="en-US" sz="1200" dirty="0" err="1">
-              <a:solidFill>
-                <a:srgbClr val="0070C0"/>
-              </a:solidFill>
-              <a:latin typeface="SFMono-Regular"/>
-            </a:endParaRPr>
           </a:p>
         </p:txBody>
       </p:sp>
@@ -4887,8 +4837,8 @@
         </p:nvSpPr>
         <p:spPr>
           <a:xfrm>
-            <a:off x="5792470" y="1941195"/>
-            <a:ext cx="142240" cy="281305"/>
+            <a:off x="5792470" y="1961046"/>
+            <a:ext cx="142240" cy="261453"/>
           </a:xfrm>
           <a:prstGeom prst="rect">
             <a:avLst/>
@@ -4919,6 +4869,7 @@
         </p:style>
         <p:txBody>
           <a:bodyPr rtlCol="0" anchor="ctr"/>
+          <a:lstStyle/>
           <a:p>
             <a:pPr algn="ctr"/>
             <a:endParaRPr lang="en-SG" sz="1400">
@@ -4937,8 +4888,8 @@
         </p:nvSpPr>
         <p:spPr>
           <a:xfrm>
-            <a:off x="5791200" y="2455545"/>
-            <a:ext cx="142240" cy="281305"/>
+            <a:off x="5791200" y="2462697"/>
+            <a:ext cx="142240" cy="274153"/>
           </a:xfrm>
           <a:prstGeom prst="rect">
             <a:avLst/>
@@ -4969,6 +4920,7 @@
         </p:style>
         <p:txBody>
           <a:bodyPr rtlCol="0" anchor="ctr"/>
+          <a:lstStyle/>
           <a:p>
             <a:pPr algn="ctr"/>
             <a:endParaRPr lang="en-SG" sz="1400">
@@ -4999,6 +4951,7 @@
           <a:bodyPr wrap="square" lIns="0" tIns="0" rIns="0" bIns="0" rtlCol="0">
             <a:spAutoFit/>
           </a:bodyPr>
+          <a:lstStyle/>
           <a:p>
             <a:r>
               <a:rPr lang="en-US" sz="1200" dirty="0" err="1">
@@ -5009,25 +4962,21 @@
               </a:rPr>
               <a:t>searchCodeInDatabase(...)</a:t>
             </a:r>
-            <a:endParaRPr lang="en-US" sz="1200" dirty="0" err="1">
-              <a:solidFill>
-                <a:srgbClr val="0070C0"/>
-              </a:solidFill>
-              <a:latin typeface="SFMono-Regular"/>
-            </a:endParaRPr>
           </a:p>
         </p:txBody>
       </p:sp>
       <p:cxnSp>
         <p:nvCxnSpPr>
           <p:cNvPr id="43" name="Straight Arrow Connector 42"/>
-          <p:cNvCxnSpPr/>
+          <p:cNvCxnSpPr>
+            <a:cxnSpLocks/>
+          </p:cNvCxnSpPr>
           <p:nvPr/>
         </p:nvCxnSpPr>
         <p:spPr>
           <a:xfrm>
-            <a:off x="3528695" y="2463165"/>
-            <a:ext cx="2286000" cy="0"/>
+            <a:off x="3493170" y="2463165"/>
+            <a:ext cx="2298065" cy="0"/>
           </a:xfrm>
           <a:prstGeom prst="straightConnector1">
             <a:avLst/>
@@ -5112,6 +5061,7 @@
           <a:bodyPr wrap="square" lIns="0" tIns="0" rIns="0" bIns="0" rtlCol="0">
             <a:spAutoFit/>
           </a:bodyPr>
+          <a:lstStyle/>
           <a:p>
             <a:pPr algn="r"/>
             <a:r>
@@ -5123,12 +5073,6 @@
               </a:rPr>
               <a:t>Optional&lt;Module&gt;</a:t>
             </a:r>
-            <a:endParaRPr lang="en-US" sz="1200" dirty="0" err="1">
-              <a:solidFill>
-                <a:srgbClr val="0070C0"/>
-              </a:solidFill>
-              <a:latin typeface="SFMono-Regular"/>
-            </a:endParaRPr>
           </a:p>
         </p:txBody>
       </p:sp>
@@ -5140,8 +5084,8 @@
         </p:nvSpPr>
         <p:spPr>
           <a:xfrm>
-            <a:off x="5789295" y="2963545"/>
-            <a:ext cx="142240" cy="281305"/>
+            <a:off x="5789295" y="2973002"/>
+            <a:ext cx="142240" cy="271848"/>
           </a:xfrm>
           <a:prstGeom prst="rect">
             <a:avLst/>
@@ -5172,6 +5116,7 @@
         </p:style>
         <p:txBody>
           <a:bodyPr rtlCol="0" anchor="ctr"/>
+          <a:lstStyle/>
           <a:p>
             <a:pPr algn="ctr"/>
             <a:endParaRPr lang="en-SG" sz="1400">
@@ -5190,7 +5135,7 @@
         </p:nvSpPr>
         <p:spPr>
           <a:xfrm>
-            <a:off x="3669665" y="2787015"/>
+            <a:off x="4163695" y="2787015"/>
             <a:ext cx="2095500" cy="184150"/>
           </a:xfrm>
           <a:prstGeom prst="rect">
@@ -5202,6 +5147,7 @@
           <a:bodyPr wrap="square" lIns="0" tIns="0" rIns="0" bIns="0" rtlCol="0">
             <a:spAutoFit/>
           </a:bodyPr>
+          <a:lstStyle/>
           <a:p>
             <a:r>
               <a:rPr lang="en-US" sz="1200" dirty="0" err="1">
@@ -5210,14 +5156,8 @@
                 </a:solidFill>
                 <a:latin typeface="SFMono-Regular"/>
               </a:rPr>
-              <a:t>hasModuleStaged/Taken(...)</a:t>
-            </a:r>
-            <a:endParaRPr lang="en-US" sz="1200" dirty="0" err="1">
-              <a:solidFill>
-                <a:srgbClr val="0070C0"/>
-              </a:solidFill>
-              <a:latin typeface="SFMono-Regular"/>
-            </a:endParaRPr>
+              <a:t>hasModuleStaged(...)</a:t>
+            </a:r>
           </a:p>
         </p:txBody>
       </p:sp>
@@ -5315,6 +5255,7 @@
           <a:bodyPr wrap="square" lIns="0" tIns="0" rIns="0" bIns="0" rtlCol="0">
             <a:spAutoFit/>
           </a:bodyPr>
+          <a:lstStyle/>
           <a:p>
             <a:pPr algn="r"/>
             <a:r>
@@ -5326,12 +5267,6 @@
               </a:rPr>
               <a:t>boolean</a:t>
             </a:r>
-            <a:endParaRPr lang="en-US" sz="1200" dirty="0" err="1">
-              <a:solidFill>
-                <a:srgbClr val="0070C0"/>
-              </a:solidFill>
-              <a:latin typeface="SFMono-Regular"/>
-            </a:endParaRPr>
           </a:p>
         </p:txBody>
       </p:sp>
@@ -5343,7 +5278,7 @@
         </p:nvSpPr>
         <p:spPr>
           <a:xfrm>
-            <a:off x="5794375" y="3465195"/>
+            <a:off x="5794375" y="4074795"/>
             <a:ext cx="142240" cy="281305"/>
           </a:xfrm>
           <a:prstGeom prst="rect">
@@ -5375,6 +5310,7 @@
         </p:style>
         <p:txBody>
           <a:bodyPr rtlCol="0" anchor="ctr"/>
+          <a:lstStyle/>
           <a:p>
             <a:pPr algn="ctr"/>
             <a:endParaRPr lang="en-SG" sz="1400">
@@ -5393,7 +5329,7 @@
         </p:nvSpPr>
         <p:spPr>
           <a:xfrm>
-            <a:off x="3578860" y="3281045"/>
+            <a:off x="3579495" y="3885565"/>
             <a:ext cx="2167890" cy="184150"/>
           </a:xfrm>
           <a:prstGeom prst="rect">
@@ -5405,6 +5341,7 @@
           <a:bodyPr wrap="square" lIns="0" tIns="0" rIns="0" bIns="0" rtlCol="0">
             <a:spAutoFit/>
           </a:bodyPr>
+          <a:lstStyle/>
           <a:p>
             <a:r>
               <a:rPr lang="en-US" sz="1200" dirty="0" err="1">
@@ -5415,12 +5352,6 @@
               </a:rPr>
               <a:t>addModuleStaged/Taken(...)</a:t>
             </a:r>
-            <a:endParaRPr lang="en-US" sz="1200" dirty="0" err="1">
-              <a:solidFill>
-                <a:srgbClr val="0070C0"/>
-              </a:solidFill>
-              <a:latin typeface="SFMono-Regular"/>
-            </a:endParaRPr>
           </a:p>
         </p:txBody>
       </p:sp>
@@ -5432,7 +5363,7 @@
         </p:nvCxnSpPr>
         <p:spPr>
           <a:xfrm>
-            <a:off x="3489960" y="3465195"/>
+            <a:off x="3505200" y="4074795"/>
             <a:ext cx="2286000" cy="0"/>
           </a:xfrm>
           <a:prstGeom prst="straightConnector1">
@@ -5468,7 +5399,7 @@
         </p:nvCxnSpPr>
         <p:spPr>
           <a:xfrm>
-            <a:off x="3483230" y="3746431"/>
+            <a:off x="3483230" y="4356031"/>
             <a:ext cx="2309640" cy="0"/>
           </a:xfrm>
           <a:prstGeom prst="straightConnector1">
@@ -5506,8 +5437,8 @@
         </p:nvCxnSpPr>
         <p:spPr>
           <a:xfrm>
-            <a:off x="3536315" y="3962400"/>
-            <a:ext cx="4921885" cy="0"/>
+            <a:off x="3457575" y="4699000"/>
+            <a:ext cx="5064125" cy="0"/>
           </a:xfrm>
           <a:prstGeom prst="straightConnector1">
             <a:avLst/>
@@ -5542,8 +5473,8 @@
         </p:nvCxnSpPr>
         <p:spPr>
           <a:xfrm>
-            <a:off x="3505200" y="4343400"/>
-            <a:ext cx="5163820" cy="25400"/>
+            <a:off x="3505200" y="5105400"/>
+            <a:ext cx="5003800" cy="0"/>
           </a:xfrm>
           <a:prstGeom prst="straightConnector1">
             <a:avLst/>
@@ -5572,6 +5503,200 @@
           </a:fontRef>
         </p:style>
       </p:cxnSp>
+      <p:sp>
+        <p:nvSpPr>
+          <p:cNvPr id="3" name="Rectangle 2"/>
+          <p:cNvSpPr/>
+          <p:nvPr/>
+        </p:nvSpPr>
+        <p:spPr>
+          <a:xfrm>
+            <a:off x="5763895" y="3469111"/>
+            <a:ext cx="142240" cy="283740"/>
+          </a:xfrm>
+          <a:prstGeom prst="rect">
+            <a:avLst/>
+          </a:prstGeom>
+          <a:solidFill>
+            <a:srgbClr val="7030A0"/>
+          </a:solidFill>
+          <a:ln>
+            <a:solidFill>
+              <a:srgbClr val="7030A0"/>
+            </a:solidFill>
+          </a:ln>
+          <a:effectLst/>
+        </p:spPr>
+        <p:style>
+          <a:lnRef idx="1">
+            <a:schemeClr val="accent3"/>
+          </a:lnRef>
+          <a:fillRef idx="2">
+            <a:schemeClr val="accent3"/>
+          </a:fillRef>
+          <a:effectRef idx="1">
+            <a:schemeClr val="accent3"/>
+          </a:effectRef>
+          <a:fontRef idx="minor">
+            <a:schemeClr val="dk1"/>
+          </a:fontRef>
+        </p:style>
+        <p:txBody>
+          <a:bodyPr rtlCol="0" anchor="ctr"/>
+          <a:lstStyle/>
+          <a:p>
+            <a:pPr algn="ctr"/>
+            <a:endParaRPr lang="en-SG" sz="1400">
+              <a:solidFill>
+                <a:schemeClr val="dk1"/>
+              </a:solidFill>
+            </a:endParaRPr>
+          </a:p>
+        </p:txBody>
+      </p:sp>
+      <p:sp>
+        <p:nvSpPr>
+          <p:cNvPr id="12" name="TextBox 28"/>
+          <p:cNvSpPr txBox="1"/>
+          <p:nvPr/>
+        </p:nvSpPr>
+        <p:spPr>
+          <a:xfrm>
+            <a:off x="4218305" y="3295015"/>
+            <a:ext cx="2095500" cy="184150"/>
+          </a:xfrm>
+          <a:prstGeom prst="rect">
+            <a:avLst/>
+          </a:prstGeom>
+          <a:noFill/>
+        </p:spPr>
+        <p:txBody>
+          <a:bodyPr wrap="square" lIns="0" tIns="0" rIns="0" bIns="0" rtlCol="0">
+            <a:spAutoFit/>
+          </a:bodyPr>
+          <a:lstStyle/>
+          <a:p>
+            <a:r>
+              <a:rPr lang="en-US" sz="1200" dirty="0" err="1">
+                <a:solidFill>
+                  <a:srgbClr val="0070C0"/>
+                </a:solidFill>
+                <a:latin typeface="SFMono-Regular"/>
+              </a:rPr>
+              <a:t>hasModuleTaken(...)</a:t>
+            </a:r>
+          </a:p>
+        </p:txBody>
+      </p:sp>
+      <p:cxnSp>
+        <p:nvCxnSpPr>
+          <p:cNvPr id="13" name="Straight Arrow Connector 12"/>
+          <p:cNvCxnSpPr/>
+          <p:nvPr/>
+        </p:nvCxnSpPr>
+        <p:spPr>
+          <a:xfrm>
+            <a:off x="3477895" y="3479165"/>
+            <a:ext cx="2286000" cy="0"/>
+          </a:xfrm>
+          <a:prstGeom prst="straightConnector1">
+            <a:avLst/>
+          </a:prstGeom>
+          <a:ln w="19050">
+            <a:solidFill>
+              <a:srgbClr val="0070C0"/>
+            </a:solidFill>
+            <a:tailEnd type="arrow"/>
+          </a:ln>
+        </p:spPr>
+        <p:style>
+          <a:lnRef idx="1">
+            <a:schemeClr val="accent1"/>
+          </a:lnRef>
+          <a:fillRef idx="0">
+            <a:schemeClr val="accent1"/>
+          </a:fillRef>
+          <a:effectRef idx="0">
+            <a:schemeClr val="accent1"/>
+          </a:effectRef>
+          <a:fontRef idx="minor">
+            <a:schemeClr val="tx1"/>
+          </a:fontRef>
+        </p:style>
+      </p:cxnSp>
+      <p:cxnSp>
+        <p:nvCxnSpPr>
+          <p:cNvPr id="28" name="Straight Arrow Connector 27"/>
+          <p:cNvCxnSpPr/>
+          <p:nvPr/>
+        </p:nvCxnSpPr>
+        <p:spPr>
+          <a:xfrm>
+            <a:off x="3478150" y="3752781"/>
+            <a:ext cx="2309640" cy="0"/>
+          </a:xfrm>
+          <a:prstGeom prst="straightConnector1">
+            <a:avLst/>
+          </a:prstGeom>
+          <a:ln w="19050">
+            <a:solidFill>
+              <a:srgbClr val="0070C0"/>
+            </a:solidFill>
+            <a:prstDash val="sysDash"/>
+            <a:headEnd type="arrow" w="med" len="med"/>
+            <a:tailEnd type="none" w="med" len="med"/>
+          </a:ln>
+        </p:spPr>
+        <p:style>
+          <a:lnRef idx="1">
+            <a:schemeClr val="accent1"/>
+          </a:lnRef>
+          <a:fillRef idx="0">
+            <a:schemeClr val="accent1"/>
+          </a:fillRef>
+          <a:effectRef idx="0">
+            <a:schemeClr val="accent1"/>
+          </a:effectRef>
+          <a:fontRef idx="minor">
+            <a:schemeClr val="tx1"/>
+          </a:fontRef>
+        </p:style>
+      </p:cxnSp>
+      <p:sp>
+        <p:nvSpPr>
+          <p:cNvPr id="34" name="TextBox 28"/>
+          <p:cNvSpPr txBox="1"/>
+          <p:nvPr/>
+        </p:nvSpPr>
+        <p:spPr>
+          <a:xfrm>
+            <a:off x="4138295" y="3562350"/>
+            <a:ext cx="1558925" cy="184150"/>
+          </a:xfrm>
+          <a:prstGeom prst="rect">
+            <a:avLst/>
+          </a:prstGeom>
+          <a:noFill/>
+        </p:spPr>
+        <p:txBody>
+          <a:bodyPr wrap="square" lIns="0" tIns="0" rIns="0" bIns="0" rtlCol="0">
+            <a:spAutoFit/>
+          </a:bodyPr>
+          <a:lstStyle/>
+          <a:p>
+            <a:pPr algn="r"/>
+            <a:r>
+              <a:rPr lang="en-US" sz="1200" dirty="0" err="1">
+                <a:solidFill>
+                  <a:srgbClr val="0070C0"/>
+                </a:solidFill>
+                <a:latin typeface="SFMono-Regular"/>
+              </a:rPr>
+              <a:t>boolean</a:t>
+            </a:r>
+          </a:p>
+        </p:txBody>
+      </p:sp>
     </p:spTree>
   </p:cSld>
   <p:clrMapOvr>
@@ -5860,6 +5985,8 @@
       </a:bgFillStyleLst>
     </a:fmtScheme>
   </a:themeElements>
+  <a:objectDefaults/>
+  <a:extraClrSchemeLst/>
   <a:extLst>
     <a:ext uri="{05A4C25C-085E-4340-85A3-A5531E510DB2}">
       <thm15:themeFamily xmlns:thm15="http://schemas.microsoft.com/office/thememl/2012/main" name="Office Theme" id="{62F939B6-93AF-4DB8-9C6B-D6C7DFDC589F}" vid="{4A3C46E8-61CC-4603-A589-7422A47A8E4A}"/>
@@ -6148,6 +6275,8 @@
       </a:bgFillStyleLst>
     </a:fmtScheme>
   </a:themeElements>
+  <a:objectDefaults/>
+  <a:extraClrSchemeLst/>
   <a:extLst>
     <a:ext uri="{05A4C25C-085E-4340-85A3-A5531E510DB2}">
       <thm15:themeFamily xmlns:thm15="http://schemas.microsoft.com/office/thememl/2012/main" name="Office Theme" id="{62F939B6-93AF-4DB8-9C6B-D6C7DFDC589F}" vid="{4A3C46E8-61CC-4603-A589-7422A47A8E4A}"/>
